--- a/Presentation/Cisco - Ariel University API Security Detection Challenge 2023.pptx
+++ b/Presentation/Cisco - Ariel University API Security Detection Challenge 2023.pptx
@@ -6342,13 +6342,13 @@
   <p:clrMapOvr>
     <a:masterClrMapping/>
   </p:clrMapOvr>
-  <mc:AlternateContent xmlns:mc="http://schemas.openxmlformats.org/markup-compatibility/2006">
-    <mc:Choice xmlns:p14="http://schemas.microsoft.com/office/powerpoint/2010/main" Requires="p14">
+  <mc:AlternateContent xmlns:mc="http://schemas.openxmlformats.org/markup-compatibility/2006" xmlns:p14="http://schemas.microsoft.com/office/powerpoint/2010/main">
+    <mc:Choice Requires="p14">
       <p:transition spd="med" p14:dur="700">
         <p:fade/>
       </p:transition>
     </mc:Choice>
-    <mc:Fallback>
+    <mc:Fallback xmlns="">
       <p:transition spd="med">
         <p:fade/>
       </p:transition>

--- a/Presentation/Cisco - Ariel University API Security Detection Challenge 2023.pptx
+++ b/Presentation/Cisco - Ariel University API Security Detection Challenge 2023.pptx
@@ -4997,18 +4997,25 @@
               <a:buChar char="Ø"/>
             </a:pPr>
             <a:r>
-              <a:rPr lang="en-US" sz="1800" u="sng" dirty="0"/>
-              <a:t>Check</a:t>
+              <a:rPr lang="en-US" sz="1800" u="sng" dirty="0" smtClean="0"/>
+              <a:t>Remove</a:t>
+            </a:r>
+            <a:r>
+              <a:rPr lang="en-US" sz="1800" dirty="0" smtClean="0"/>
+              <a:t> </a:t>
             </a:r>
             <a:r>
               <a:rPr lang="en-US" sz="1800" dirty="0"/>
-              <a:t> the correlation of the </a:t>
+              <a:t>columns that </a:t>
             </a:r>
             <a:r>
               <a:rPr lang="en-US" sz="1800" dirty="0" smtClean="0"/>
-              <a:t>features</a:t>
-            </a:r>
-            <a:endParaRPr lang="en-US" sz="1800" dirty="0"/>
+              <a:t>have the same </a:t>
+            </a:r>
+            <a:r>
+              <a:rPr lang="en-US" sz="1800" dirty="0"/>
+              <a:t>values ​​for all rows</a:t>
+            </a:r>
           </a:p>
           <a:p>
             <a:pPr lvl="2" algn="l" rtl="0">
@@ -5020,7 +5027,7 @@
             </a:pPr>
             <a:r>
               <a:rPr lang="en-US" sz="1800" u="sng" dirty="0" smtClean="0"/>
-              <a:t>Remove</a:t>
+              <a:t>Create</a:t>
             </a:r>
             <a:r>
               <a:rPr lang="en-US" sz="1800" dirty="0" smtClean="0"/>
@@ -5028,33 +5035,19 @@
             </a:r>
             <a:r>
               <a:rPr lang="en-US" sz="1800" dirty="0"/>
-              <a:t>columns that have:</a:t>
-            </a:r>
-          </a:p>
-          <a:p>
-            <a:pPr lvl="3" algn="l" rtl="0">
-              <a:lnSpc>
-                <a:spcPct val="150000"/>
-              </a:lnSpc>
-              <a:buFont typeface="Wingdings" panose="05000000000000000000" pitchFamily="2" charset="2"/>
-              <a:buChar char="§"/>
-            </a:pPr>
+              <a:t>new </a:t>
+            </a:r>
+            <a:r>
+              <a:rPr lang="en-US" sz="1800" dirty="0" smtClean="0"/>
+              <a:t>features </a:t>
+            </a:r>
             <a:r>
               <a:rPr lang="en-US" sz="1800" dirty="0"/>
-              <a:t>Same values ​​for all rows</a:t>
-            </a:r>
-          </a:p>
-          <a:p>
-            <a:pPr lvl="3" algn="l" rtl="0">
-              <a:lnSpc>
-                <a:spcPct val="150000"/>
-              </a:lnSpc>
-              <a:buFont typeface="Wingdings" panose="05000000000000000000" pitchFamily="2" charset="2"/>
-              <a:buChar char="§"/>
-            </a:pPr>
-            <a:r>
-              <a:rPr lang="en-US" sz="1800" dirty="0"/>
-              <a:t>More then 90% ‘Null’ values</a:t>
+              <a:t>from </a:t>
+            </a:r>
+            <a:r>
+              <a:rPr lang="en-US" sz="1800" dirty="0" smtClean="0"/>
+              <a:t>the request.url and request.headers</a:t>
             </a:r>
           </a:p>
           <a:p>
@@ -5066,29 +5059,18 @@
               <a:buChar char="Ø"/>
             </a:pPr>
             <a:r>
+              <a:rPr lang="en-US" sz="1800" dirty="0" smtClean="0"/>
+              <a:t>Preprocess using only </a:t>
+            </a:r>
+            <a:r>
               <a:rPr lang="en-US" sz="1800" u="sng" dirty="0" smtClean="0"/>
-              <a:t>Create</a:t>
+              <a:t>LableEncoder</a:t>
             </a:r>
             <a:r>
               <a:rPr lang="en-US" sz="1800" dirty="0" smtClean="0"/>
-              <a:t> </a:t>
-            </a:r>
-            <a:r>
-              <a:rPr lang="en-US" sz="1800" dirty="0"/>
-              <a:t>new </a:t>
-            </a:r>
-            <a:r>
-              <a:rPr lang="en-US" sz="1800" dirty="0" smtClean="0"/>
-              <a:t>features </a:t>
-            </a:r>
-            <a:r>
-              <a:rPr lang="en-US" sz="1800" dirty="0"/>
-              <a:t>from </a:t>
-            </a:r>
-            <a:r>
-              <a:rPr lang="en-US" sz="1800" dirty="0" smtClean="0"/>
-              <a:t>URL</a:t>
-            </a:r>
+              <a:t>()</a:t>
+            </a:r>
+            <a:endParaRPr lang="en-US" sz="1800" dirty="0" smtClean="0"/>
           </a:p>
         </p:txBody>
       </p:sp>
@@ -5108,7 +5090,7 @@
         </p:blipFill>
         <p:spPr>
           <a:xfrm>
-            <a:off x="6300192" y="5229200"/>
+            <a:off x="3234680" y="5139086"/>
             <a:ext cx="2674640" cy="1458266"/>
           </a:xfrm>
           <a:prstGeom prst="rect">
@@ -5635,7 +5617,7 @@
         <p:spPr>
           <a:xfrm flipH="1">
             <a:off x="457200" y="1714500"/>
-            <a:ext cx="8229600" cy="800100"/>
+            <a:ext cx="8507288" cy="800100"/>
           </a:xfrm>
         </p:spPr>
         <p:txBody>
@@ -5647,7 +5629,7 @@
             <a:pPr rtl="0"/>
             <a:r>
               <a:rPr lang="en-US" sz="3200" b="1" dirty="0" smtClean="0"/>
-              <a:t>Important Feature</a:t>
+              <a:t>Standard Scaler</a:t>
             </a:r>
             <a:endParaRPr lang="he-IL" sz="3200" b="1" dirty="0"/>
           </a:p>
@@ -5666,7 +5648,7 @@
         <p:spPr>
           <a:xfrm flipH="1">
             <a:off x="457200" y="2544318"/>
-            <a:ext cx="8229600" cy="3981026"/>
+            <a:ext cx="8507288" cy="3981026"/>
           </a:xfrm>
         </p:spPr>
         <p:txBody>
@@ -5681,111 +5663,67 @@
               </a:lnSpc>
               <a:buNone/>
             </a:pPr>
-            <a:r>
-              <a:rPr lang="en-US" sz="1800" dirty="0" smtClean="0"/>
-              <a:t>Then, we </a:t>
-            </a:r>
-            <a:r>
-              <a:rPr lang="en-US" sz="1800" u="sng" dirty="0" smtClean="0"/>
-              <a:t>Identify</a:t>
-            </a:r>
-            <a:r>
-              <a:rPr lang="en-US" sz="1800" dirty="0" smtClean="0"/>
-              <a:t> </a:t>
-            </a:r>
-            <a:r>
-              <a:rPr lang="en-US" sz="1800" dirty="0"/>
-              <a:t>the importance of features </a:t>
-            </a:r>
-            <a:r>
-              <a:rPr lang="en-US" sz="1800" dirty="0" smtClean="0"/>
-              <a:t>using </a:t>
-            </a:r>
-            <a:r>
-              <a:rPr lang="en-US" sz="1800" dirty="0"/>
-              <a:t>the following </a:t>
-            </a:r>
-            <a:r>
-              <a:rPr lang="en-US" sz="1800" dirty="0" smtClean="0"/>
-              <a:t>models:</a:t>
-            </a:r>
-          </a:p>
-          <a:p>
-            <a:pPr lvl="3" algn="l" rtl="0">
+            <a:endParaRPr lang="en-US" sz="1800" smtClean="0"/>
+          </a:p>
+          <a:p>
+            <a:pPr marL="0" indent="0" algn="ctr" rtl="0">
               <a:lnSpc>
                 <a:spcPct val="150000"/>
               </a:lnSpc>
-              <a:buFont typeface="Wingdings" panose="05000000000000000000" pitchFamily="2" charset="2"/>
-              <a:buChar char="Ø"/>
+              <a:buNone/>
             </a:pPr>
             <a:r>
+              <a:rPr lang="en-US" sz="1800" smtClean="0"/>
+              <a:t>Standard </a:t>
+            </a:r>
+            <a:r>
+              <a:rPr lang="en-US" sz="1800" dirty="0"/>
+              <a:t>Scalers are pre-processing techniques in machine learning and data analysis that </a:t>
+            </a:r>
+            <a:r>
+              <a:rPr lang="en-US" sz="1800" u="sng" dirty="0"/>
+              <a:t>standardize</a:t>
+            </a:r>
+            <a:r>
+              <a:rPr lang="en-US" sz="1800" dirty="0"/>
+              <a:t> constants in datasets to have a mean of </a:t>
+            </a:r>
+            <a:r>
               <a:rPr lang="en-US" sz="1800" dirty="0" smtClean="0"/>
-              <a:t>Random Forest</a:t>
-            </a:r>
-          </a:p>
-          <a:p>
-            <a:pPr lvl="3" algn="l" rtl="0">
+              <a:t>0 </a:t>
+            </a:r>
+            <a:r>
+              <a:rPr lang="en-US" sz="1800" dirty="0"/>
+              <a:t>and a standard deviation of </a:t>
+            </a:r>
+            <a:r>
+              <a:rPr lang="en-US" sz="1800" dirty="0" smtClean="0"/>
+              <a:t>1.</a:t>
+            </a:r>
+          </a:p>
+          <a:p>
+            <a:pPr marL="0" indent="0" algn="ctr" rtl="0">
               <a:lnSpc>
                 <a:spcPct val="150000"/>
               </a:lnSpc>
-              <a:buFont typeface="Wingdings" panose="05000000000000000000" pitchFamily="2" charset="2"/>
-              <a:buChar char="Ø"/>
+              <a:buNone/>
             </a:pPr>
-            <a:r>
-              <a:rPr lang="en-US" sz="1800" dirty="0" smtClean="0"/>
-              <a:t>Ada Boost</a:t>
-            </a:r>
-          </a:p>
-          <a:p>
-            <a:pPr lvl="3" algn="l" rtl="0">
+            <a:endParaRPr lang="en-US" sz="1800" dirty="0" smtClean="0"/>
+          </a:p>
+          <a:p>
+            <a:pPr marL="0" indent="0" algn="ctr" rtl="0">
               <a:lnSpc>
                 <a:spcPct val="150000"/>
               </a:lnSpc>
-              <a:buFont typeface="Wingdings" panose="05000000000000000000" pitchFamily="2" charset="2"/>
-              <a:buChar char="Ø"/>
+              <a:buNone/>
             </a:pPr>
             <a:r>
               <a:rPr lang="en-US" sz="1800" dirty="0" smtClean="0"/>
-              <a:t>Gradient Boosting</a:t>
-            </a:r>
-          </a:p>
-          <a:p>
-            <a:pPr lvl="3" algn="l" rtl="0">
-              <a:lnSpc>
-                <a:spcPct val="150000"/>
-              </a:lnSpc>
-              <a:buFont typeface="Wingdings" panose="05000000000000000000" pitchFamily="2" charset="2"/>
-              <a:buChar char="Ø"/>
-            </a:pPr>
-            <a:r>
-              <a:rPr lang="en-US" sz="1800" dirty="0" smtClean="0"/>
-              <a:t>Linear SVM</a:t>
-            </a:r>
-          </a:p>
-          <a:p>
-            <a:pPr lvl="3" algn="l" rtl="0">
-              <a:lnSpc>
-                <a:spcPct val="150000"/>
-              </a:lnSpc>
-              <a:buFont typeface="Wingdings" panose="05000000000000000000" pitchFamily="2" charset="2"/>
-              <a:buChar char="Ø"/>
-            </a:pPr>
-            <a:r>
-              <a:rPr lang="en-US" sz="1800" dirty="0" smtClean="0"/>
-              <a:t>Decision Tree</a:t>
-            </a:r>
-          </a:p>
-          <a:p>
-            <a:pPr lvl="3" algn="l" rtl="0">
-              <a:lnSpc>
-                <a:spcPct val="150000"/>
-              </a:lnSpc>
-              <a:buFont typeface="Wingdings" panose="05000000000000000000" pitchFamily="2" charset="2"/>
-              <a:buChar char="Ø"/>
-            </a:pPr>
-            <a:r>
-              <a:rPr lang="en-US" sz="1800" dirty="0" smtClean="0"/>
-              <a:t>Extra Tree</a:t>
+              <a:t>Outliers </a:t>
+            </a:r>
+            <a:r>
+              <a:rPr lang="en-US" sz="1800" dirty="0"/>
+              <a:t>in the data can also be reduced through standardization.</a:t>
             </a:r>
           </a:p>
         </p:txBody>
@@ -5800,13 +5738,13 @@
   <p:clrMapOvr>
     <a:masterClrMapping/>
   </p:clrMapOvr>
-  <mc:AlternateContent xmlns:mc="http://schemas.openxmlformats.org/markup-compatibility/2006" xmlns:p14="http://schemas.microsoft.com/office/powerpoint/2010/main">
-    <mc:Choice Requires="p14">
+  <mc:AlternateContent xmlns:mc="http://schemas.openxmlformats.org/markup-compatibility/2006">
+    <mc:Choice xmlns:p14="http://schemas.microsoft.com/office/powerpoint/2010/main" Requires="p14">
       <p:transition spd="med" p14:dur="700">
         <p:fade/>
       </p:transition>
     </mc:Choice>
-    <mc:Fallback xmlns="">
+    <mc:Fallback>
       <p:transition spd="med">
         <p:fade/>
       </p:transition>
@@ -6179,7 +6117,15 @@
             </a:pPr>
             <a:r>
               <a:rPr lang="en-US" sz="1800" dirty="0"/>
-              <a:t>Except for Task_4_Attach, which was 97% accurate, our model was 100% </a:t>
+              <a:t>Except for </a:t>
+            </a:r>
+            <a:r>
+              <a:rPr lang="en-US" sz="1800" dirty="0" smtClean="0"/>
+              <a:t>Task_4_Attack, </a:t>
+            </a:r>
+            <a:r>
+              <a:rPr lang="en-US" sz="1800" dirty="0"/>
+              <a:t>which was 97% accurate, our model was 100% </a:t>
             </a:r>
             <a:r>
               <a:rPr lang="en-US" sz="1800" u="sng" dirty="0"/>
